--- a/trunk/Presentation/Slide phu/Support vector machine Algorithm.pptx
+++ b/trunk/Presentation/Slide phu/Support vector machine Algorithm.pptx
@@ -1,11 +1,11 @@
 
 <file path=ppt/presentation.xml><?xml version="1.0" encoding="utf-8"?>
-<p:presentation xmlns:a="http://schemas.openxmlformats.org/drawingml/2006/main" xmlns:r="http://schemas.openxmlformats.org/officeDocument/2006/relationships" xmlns:p="http://schemas.openxmlformats.org/presentationml/2006/main" saveSubsetFonts="1">
+<p:presentation xmlns:a="http://schemas.openxmlformats.org/drawingml/2006/main" xmlns:r="http://schemas.openxmlformats.org/officeDocument/2006/relationships" xmlns:p="http://schemas.openxmlformats.org/presentationml/2006/main" saveSubsetFonts="1" bookmarkIdSeed="3">
   <p:sldMasterIdLst>
     <p:sldMasterId id="2147483660" r:id="rId1"/>
   </p:sldMasterIdLst>
   <p:notesMasterIdLst>
-    <p:notesMasterId r:id="rId10"/>
+    <p:notesMasterId r:id="rId11"/>
   </p:notesMasterIdLst>
   <p:sldIdLst>
     <p:sldId id="256" r:id="rId2"/>
@@ -16,6 +16,7 @@
     <p:sldId id="263" r:id="rId7"/>
     <p:sldId id="262" r:id="rId8"/>
     <p:sldId id="261" r:id="rId9"/>
+    <p:sldId id="264" r:id="rId10"/>
   </p:sldIdLst>
   <p:sldSz cx="9144000" cy="6858000" type="screen4x3"/>
   <p:notesSz cx="6858000" cy="9144000"/>
@@ -114,6 +115,11 @@
       </a:defRPr>
     </a:lvl9pPr>
   </p:defaultTextStyle>
+  <p:extLst>
+    <p:ext uri="{EFAFB233-063F-42B5-8137-9DF3F51BA10A}">
+      <p15:sldGuideLst xmlns:p15="http://schemas.microsoft.com/office/powerpoint/2012/main"/>
+    </p:ext>
+  </p:extLst>
 </p:presentation>
 </file>
 
@@ -405,11 +411,11 @@
           <c:showPercent val="0"/>
           <c:showBubbleSize val="0"/>
         </c:dLbls>
-        <c:axId val="330713608"/>
-        <c:axId val="330714000"/>
+        <c:axId val="229773440"/>
+        <c:axId val="279266040"/>
       </c:scatterChart>
       <c:valAx>
-        <c:axId val="330713608"/>
+        <c:axId val="229773440"/>
         <c:scaling>
           <c:orientation val="minMax"/>
         </c:scaling>
@@ -530,12 +536,12 @@
             <a:endParaRPr lang="en-US"/>
           </a:p>
         </c:txPr>
-        <c:crossAx val="330714000"/>
+        <c:crossAx val="279266040"/>
         <c:crosses val="autoZero"/>
         <c:crossBetween val="midCat"/>
       </c:valAx>
       <c:valAx>
-        <c:axId val="330714000"/>
+        <c:axId val="279266040"/>
         <c:scaling>
           <c:orientation val="minMax"/>
         </c:scaling>
@@ -648,7 +654,7 @@
             <a:endParaRPr lang="en-US"/>
           </a:p>
         </c:txPr>
-        <c:crossAx val="330713608"/>
+        <c:crossAx val="229773440"/>
         <c:crosses val="autoZero"/>
         <c:crossBetween val="midCat"/>
       </c:valAx>
@@ -689,7 +695,512 @@
 </c:chartSpace>
 </file>
 
+<file path=ppt/charts/chart2.xml><?xml version="1.0" encoding="utf-8"?>
+<c:chartSpace xmlns:c="http://schemas.openxmlformats.org/drawingml/2006/chart" xmlns:a="http://schemas.openxmlformats.org/drawingml/2006/main" xmlns:r="http://schemas.openxmlformats.org/officeDocument/2006/relationships">
+  <c:date1904 val="0"/>
+  <c:lang val="en-US"/>
+  <c:roundedCorners val="0"/>
+  <mc:AlternateContent xmlns:mc="http://schemas.openxmlformats.org/markup-compatibility/2006">
+    <mc:Choice xmlns:c14="http://schemas.microsoft.com/office/drawing/2007/8/2/chart" Requires="c14">
+      <c14:style val="102"/>
+    </mc:Choice>
+    <mc:Fallback>
+      <c:style val="2"/>
+    </mc:Fallback>
+  </mc:AlternateContent>
+  <c:chart>
+    <c:title>
+      <c:tx>
+        <c:rich>
+          <a:bodyPr rot="0" spcFirstLastPara="1" vertOverflow="ellipsis" vert="horz" wrap="square" anchor="ctr" anchorCtr="1"/>
+          <a:lstStyle/>
+          <a:p>
+            <a:pPr>
+              <a:defRPr sz="1440" b="0" i="0" u="none" strike="noStrike" kern="1200" spc="0" baseline="0">
+                <a:solidFill>
+                  <a:schemeClr val="tx1">
+                    <a:lumMod val="65000"/>
+                    <a:lumOff val="35000"/>
+                  </a:schemeClr>
+                </a:solidFill>
+                <a:latin typeface="Cambria" panose="02040503050406030204" pitchFamily="18" charset="0"/>
+                <a:ea typeface="+mn-ea"/>
+                <a:cs typeface="+mn-cs"/>
+              </a:defRPr>
+            </a:pPr>
+            <a:r>
+              <a:rPr lang="en-US"/>
+              <a:t>Traffic Sign Recognition Accuracy</a:t>
+            </a:r>
+          </a:p>
+        </c:rich>
+      </c:tx>
+      <c:layout/>
+      <c:overlay val="0"/>
+      <c:spPr>
+        <a:noFill/>
+        <a:ln>
+          <a:noFill/>
+        </a:ln>
+        <a:effectLst/>
+      </c:spPr>
+      <c:txPr>
+        <a:bodyPr rot="0" spcFirstLastPara="1" vertOverflow="ellipsis" vert="horz" wrap="square" anchor="ctr" anchorCtr="1"/>
+        <a:lstStyle/>
+        <a:p>
+          <a:pPr>
+            <a:defRPr sz="1440" b="0" i="0" u="none" strike="noStrike" kern="1200" spc="0" baseline="0">
+              <a:solidFill>
+                <a:schemeClr val="tx1">
+                  <a:lumMod val="65000"/>
+                  <a:lumOff val="35000"/>
+                </a:schemeClr>
+              </a:solidFill>
+              <a:latin typeface="Cambria" panose="02040503050406030204" pitchFamily="18" charset="0"/>
+              <a:ea typeface="+mn-ea"/>
+              <a:cs typeface="+mn-cs"/>
+            </a:defRPr>
+          </a:pPr>
+          <a:endParaRPr lang="en-US"/>
+        </a:p>
+      </c:txPr>
+    </c:title>
+    <c:autoTitleDeleted val="0"/>
+    <c:plotArea>
+      <c:layout/>
+      <c:lineChart>
+        <c:grouping val="standard"/>
+        <c:varyColors val="0"/>
+        <c:ser>
+          <c:idx val="1"/>
+          <c:order val="0"/>
+          <c:tx>
+            <c:strRef>
+              <c:f>Sheet1!$A$7</c:f>
+              <c:strCache>
+                <c:ptCount val="1"/>
+                <c:pt idx="0">
+                  <c:v>Accuracy</c:v>
+                </c:pt>
+              </c:strCache>
+            </c:strRef>
+          </c:tx>
+          <c:spPr>
+            <a:ln w="28575" cap="rnd">
+              <a:solidFill>
+                <a:schemeClr val="accent1"/>
+              </a:solidFill>
+              <a:round/>
+            </a:ln>
+            <a:effectLst/>
+          </c:spPr>
+          <c:marker>
+            <c:symbol val="none"/>
+          </c:marker>
+          <c:dLbls>
+            <c:spPr>
+              <a:noFill/>
+              <a:ln>
+                <a:noFill/>
+              </a:ln>
+              <a:effectLst/>
+            </c:spPr>
+            <c:txPr>
+              <a:bodyPr rot="0" spcFirstLastPara="1" vertOverflow="ellipsis" vert="horz" wrap="square" anchor="ctr" anchorCtr="1"/>
+              <a:lstStyle/>
+              <a:p>
+                <a:pPr>
+                  <a:defRPr sz="1200" b="0" i="0" u="none" strike="noStrike" kern="1200" baseline="0">
+                    <a:solidFill>
+                      <a:schemeClr val="tx1">
+                        <a:lumMod val="75000"/>
+                        <a:lumOff val="25000"/>
+                      </a:schemeClr>
+                    </a:solidFill>
+                    <a:latin typeface="Cambria" panose="02040503050406030204" pitchFamily="18" charset="0"/>
+                    <a:ea typeface="+mn-ea"/>
+                    <a:cs typeface="+mn-cs"/>
+                  </a:defRPr>
+                </a:pPr>
+                <a:endParaRPr lang="en-US"/>
+              </a:p>
+            </c:txPr>
+            <c:dLblPos val="t"/>
+            <c:showLegendKey val="0"/>
+            <c:showVal val="1"/>
+            <c:showCatName val="0"/>
+            <c:showSerName val="0"/>
+            <c:showPercent val="0"/>
+            <c:showBubbleSize val="0"/>
+            <c:showLeaderLines val="0"/>
+            <c:extLst>
+              <c:ext xmlns:c15="http://schemas.microsoft.com/office/drawing/2012/chart" uri="{CE6537A1-D6FC-4f65-9D91-7224C49458BB}">
+                <c15:layout/>
+                <c15:showLeaderLines val="1"/>
+                <c15:leaderLines>
+                  <c:spPr>
+                    <a:ln w="9525" cap="flat" cmpd="sng" algn="ctr">
+                      <a:solidFill>
+                        <a:schemeClr val="tx1">
+                          <a:lumMod val="35000"/>
+                          <a:lumOff val="65000"/>
+                        </a:schemeClr>
+                      </a:solidFill>
+                      <a:round/>
+                    </a:ln>
+                    <a:effectLst/>
+                  </c:spPr>
+                </c15:leaderLines>
+              </c:ext>
+            </c:extLst>
+          </c:dLbls>
+          <c:cat>
+            <c:numRef>
+              <c:f>Sheet1!$B$6:$D$6</c:f>
+              <c:numCache>
+                <c:formatCode>General</c:formatCode>
+                <c:ptCount val="3"/>
+                <c:pt idx="0">
+                  <c:v>3</c:v>
+                </c:pt>
+                <c:pt idx="1">
+                  <c:v>5</c:v>
+                </c:pt>
+                <c:pt idx="2">
+                  <c:v>7</c:v>
+                </c:pt>
+              </c:numCache>
+            </c:numRef>
+          </c:cat>
+          <c:val>
+            <c:numRef>
+              <c:f>Sheet1!$B$7:$D$7</c:f>
+              <c:numCache>
+                <c:formatCode>General</c:formatCode>
+                <c:ptCount val="3"/>
+                <c:pt idx="0">
+                  <c:v>70.2</c:v>
+                </c:pt>
+                <c:pt idx="1">
+                  <c:v>79.8</c:v>
+                </c:pt>
+                <c:pt idx="2">
+                  <c:v>86.9</c:v>
+                </c:pt>
+              </c:numCache>
+            </c:numRef>
+          </c:val>
+          <c:smooth val="0"/>
+        </c:ser>
+        <c:dLbls>
+          <c:showLegendKey val="0"/>
+          <c:showVal val="0"/>
+          <c:showCatName val="0"/>
+          <c:showSerName val="0"/>
+          <c:showPercent val="0"/>
+          <c:showBubbleSize val="0"/>
+        </c:dLbls>
+        <c:smooth val="0"/>
+        <c:axId val="283525704"/>
+        <c:axId val="283526096"/>
+      </c:lineChart>
+      <c:catAx>
+        <c:axId val="283525704"/>
+        <c:scaling>
+          <c:orientation val="minMax"/>
+        </c:scaling>
+        <c:delete val="0"/>
+        <c:axPos val="b"/>
+        <c:title>
+          <c:tx>
+            <c:rich>
+              <a:bodyPr rot="0" spcFirstLastPara="1" vertOverflow="ellipsis" vert="horz" wrap="square" anchor="ctr" anchorCtr="1"/>
+              <a:lstStyle/>
+              <a:p>
+                <a:pPr>
+                  <a:defRPr sz="1200" b="0" i="0" u="none" strike="noStrike" kern="1200" baseline="0">
+                    <a:solidFill>
+                      <a:schemeClr val="tx1">
+                        <a:lumMod val="65000"/>
+                        <a:lumOff val="35000"/>
+                      </a:schemeClr>
+                    </a:solidFill>
+                    <a:latin typeface="Cambria" panose="02040503050406030204" pitchFamily="18" charset="0"/>
+                    <a:ea typeface="+mn-ea"/>
+                    <a:cs typeface="+mn-cs"/>
+                  </a:defRPr>
+                </a:pPr>
+                <a:r>
+                  <a:rPr lang="en-US"/>
+                  <a:t>Number of Train Image</a:t>
+                </a:r>
+              </a:p>
+            </c:rich>
+          </c:tx>
+          <c:layout/>
+          <c:overlay val="0"/>
+          <c:spPr>
+            <a:noFill/>
+            <a:ln>
+              <a:noFill/>
+            </a:ln>
+            <a:effectLst/>
+          </c:spPr>
+          <c:txPr>
+            <a:bodyPr rot="0" spcFirstLastPara="1" vertOverflow="ellipsis" vert="horz" wrap="square" anchor="ctr" anchorCtr="1"/>
+            <a:lstStyle/>
+            <a:p>
+              <a:pPr>
+                <a:defRPr sz="1200" b="0" i="0" u="none" strike="noStrike" kern="1200" baseline="0">
+                  <a:solidFill>
+                    <a:schemeClr val="tx1">
+                      <a:lumMod val="65000"/>
+                      <a:lumOff val="35000"/>
+                    </a:schemeClr>
+                  </a:solidFill>
+                  <a:latin typeface="Cambria" panose="02040503050406030204" pitchFamily="18" charset="0"/>
+                  <a:ea typeface="+mn-ea"/>
+                  <a:cs typeface="+mn-cs"/>
+                </a:defRPr>
+              </a:pPr>
+              <a:endParaRPr lang="en-US"/>
+            </a:p>
+          </c:txPr>
+        </c:title>
+        <c:numFmt formatCode="General" sourceLinked="1"/>
+        <c:majorTickMark val="none"/>
+        <c:minorTickMark val="none"/>
+        <c:tickLblPos val="nextTo"/>
+        <c:spPr>
+          <a:noFill/>
+          <a:ln w="9525" cap="flat" cmpd="sng" algn="ctr">
+            <a:solidFill>
+              <a:schemeClr val="tx1">
+                <a:lumMod val="15000"/>
+                <a:lumOff val="85000"/>
+              </a:schemeClr>
+            </a:solidFill>
+            <a:round/>
+          </a:ln>
+          <a:effectLst/>
+        </c:spPr>
+        <c:txPr>
+          <a:bodyPr rot="-60000000" spcFirstLastPara="1" vertOverflow="ellipsis" vert="horz" wrap="square" anchor="ctr" anchorCtr="1"/>
+          <a:lstStyle/>
+          <a:p>
+            <a:pPr>
+              <a:defRPr sz="1200" b="0" i="0" u="none" strike="noStrike" kern="1200" baseline="0">
+                <a:solidFill>
+                  <a:schemeClr val="tx1">
+                    <a:lumMod val="65000"/>
+                    <a:lumOff val="35000"/>
+                  </a:schemeClr>
+                </a:solidFill>
+                <a:latin typeface="Cambria" panose="02040503050406030204" pitchFamily="18" charset="0"/>
+                <a:ea typeface="+mn-ea"/>
+                <a:cs typeface="+mn-cs"/>
+              </a:defRPr>
+            </a:pPr>
+            <a:endParaRPr lang="en-US"/>
+          </a:p>
+        </c:txPr>
+        <c:crossAx val="283526096"/>
+        <c:crosses val="autoZero"/>
+        <c:auto val="1"/>
+        <c:lblAlgn val="ctr"/>
+        <c:lblOffset val="100"/>
+        <c:noMultiLvlLbl val="0"/>
+      </c:catAx>
+      <c:valAx>
+        <c:axId val="283526096"/>
+        <c:scaling>
+          <c:orientation val="minMax"/>
+        </c:scaling>
+        <c:delete val="0"/>
+        <c:axPos val="l"/>
+        <c:majorGridlines>
+          <c:spPr>
+            <a:ln w="9525" cap="flat" cmpd="sng" algn="ctr">
+              <a:solidFill>
+                <a:schemeClr val="tx1">
+                  <a:lumMod val="15000"/>
+                  <a:lumOff val="85000"/>
+                </a:schemeClr>
+              </a:solidFill>
+              <a:round/>
+            </a:ln>
+            <a:effectLst/>
+          </c:spPr>
+        </c:majorGridlines>
+        <c:title>
+          <c:tx>
+            <c:rich>
+              <a:bodyPr rot="-5400000" spcFirstLastPara="1" vertOverflow="ellipsis" vert="horz" wrap="square" anchor="ctr" anchorCtr="1"/>
+              <a:lstStyle/>
+              <a:p>
+                <a:pPr>
+                  <a:defRPr sz="1200" b="0" i="0" u="none" strike="noStrike" kern="1200" baseline="0">
+                    <a:solidFill>
+                      <a:schemeClr val="tx1">
+                        <a:lumMod val="65000"/>
+                        <a:lumOff val="35000"/>
+                      </a:schemeClr>
+                    </a:solidFill>
+                    <a:latin typeface="Cambria" panose="02040503050406030204" pitchFamily="18" charset="0"/>
+                    <a:ea typeface="+mn-ea"/>
+                    <a:cs typeface="+mn-cs"/>
+                  </a:defRPr>
+                </a:pPr>
+                <a:r>
+                  <a:rPr lang="en-US"/>
+                  <a:t>Accuracy</a:t>
+                </a:r>
+              </a:p>
+            </c:rich>
+          </c:tx>
+          <c:layout/>
+          <c:overlay val="0"/>
+          <c:spPr>
+            <a:noFill/>
+            <a:ln>
+              <a:noFill/>
+            </a:ln>
+            <a:effectLst/>
+          </c:spPr>
+          <c:txPr>
+            <a:bodyPr rot="-5400000" spcFirstLastPara="1" vertOverflow="ellipsis" vert="horz" wrap="square" anchor="ctr" anchorCtr="1"/>
+            <a:lstStyle/>
+            <a:p>
+              <a:pPr>
+                <a:defRPr sz="1200" b="0" i="0" u="none" strike="noStrike" kern="1200" baseline="0">
+                  <a:solidFill>
+                    <a:schemeClr val="tx1">
+                      <a:lumMod val="65000"/>
+                      <a:lumOff val="35000"/>
+                    </a:schemeClr>
+                  </a:solidFill>
+                  <a:latin typeface="Cambria" panose="02040503050406030204" pitchFamily="18" charset="0"/>
+                  <a:ea typeface="+mn-ea"/>
+                  <a:cs typeface="+mn-cs"/>
+                </a:defRPr>
+              </a:pPr>
+              <a:endParaRPr lang="en-US"/>
+            </a:p>
+          </c:txPr>
+        </c:title>
+        <c:numFmt formatCode="General" sourceLinked="1"/>
+        <c:majorTickMark val="none"/>
+        <c:minorTickMark val="none"/>
+        <c:tickLblPos val="nextTo"/>
+        <c:spPr>
+          <a:noFill/>
+          <a:ln>
+            <a:noFill/>
+          </a:ln>
+          <a:effectLst/>
+        </c:spPr>
+        <c:txPr>
+          <a:bodyPr rot="-60000000" spcFirstLastPara="1" vertOverflow="ellipsis" vert="horz" wrap="square" anchor="ctr" anchorCtr="1"/>
+          <a:lstStyle/>
+          <a:p>
+            <a:pPr>
+              <a:defRPr sz="1200" b="0" i="0" u="none" strike="noStrike" kern="1200" baseline="0">
+                <a:solidFill>
+                  <a:schemeClr val="tx1">
+                    <a:lumMod val="65000"/>
+                    <a:lumOff val="35000"/>
+                  </a:schemeClr>
+                </a:solidFill>
+                <a:latin typeface="Cambria" panose="02040503050406030204" pitchFamily="18" charset="0"/>
+                <a:ea typeface="+mn-ea"/>
+                <a:cs typeface="+mn-cs"/>
+              </a:defRPr>
+            </a:pPr>
+            <a:endParaRPr lang="en-US"/>
+          </a:p>
+        </c:txPr>
+        <c:crossAx val="283525704"/>
+        <c:crosses val="autoZero"/>
+        <c:crossBetween val="between"/>
+      </c:valAx>
+      <c:spPr>
+        <a:noFill/>
+        <a:ln>
+          <a:noFill/>
+        </a:ln>
+        <a:effectLst/>
+      </c:spPr>
+    </c:plotArea>
+    <c:plotVisOnly val="1"/>
+    <c:dispBlanksAs val="gap"/>
+    <c:showDLblsOverMax val="0"/>
+  </c:chart>
+  <c:spPr>
+    <a:noFill/>
+    <a:ln>
+      <a:noFill/>
+    </a:ln>
+    <a:effectLst/>
+  </c:spPr>
+  <c:txPr>
+    <a:bodyPr/>
+    <a:lstStyle/>
+    <a:p>
+      <a:pPr>
+        <a:defRPr sz="1200">
+          <a:latin typeface="Cambria" panose="02040503050406030204" pitchFamily="18" charset="0"/>
+        </a:defRPr>
+      </a:pPr>
+      <a:endParaRPr lang="en-US"/>
+    </a:p>
+  </c:txPr>
+  <c:externalData r:id="rId3">
+    <c:autoUpdate val="0"/>
+  </c:externalData>
+</c:chartSpace>
+</file>
+
 <file path=ppt/charts/colors1.xml><?xml version="1.0" encoding="utf-8"?>
+<cs:colorStyle xmlns:cs="http://schemas.microsoft.com/office/drawing/2012/chartStyle" xmlns:a="http://schemas.openxmlformats.org/drawingml/2006/main" meth="cycle" id="10">
+  <a:schemeClr val="accent1"/>
+  <a:schemeClr val="accent2"/>
+  <a:schemeClr val="accent3"/>
+  <a:schemeClr val="accent4"/>
+  <a:schemeClr val="accent5"/>
+  <a:schemeClr val="accent6"/>
+  <cs:variation/>
+  <cs:variation>
+    <a:lumMod val="60000"/>
+  </cs:variation>
+  <cs:variation>
+    <a:lumMod val="80000"/>
+    <a:lumOff val="20000"/>
+  </cs:variation>
+  <cs:variation>
+    <a:lumMod val="80000"/>
+  </cs:variation>
+  <cs:variation>
+    <a:lumMod val="60000"/>
+    <a:lumOff val="40000"/>
+  </cs:variation>
+  <cs:variation>
+    <a:lumMod val="50000"/>
+  </cs:variation>
+  <cs:variation>
+    <a:lumMod val="70000"/>
+    <a:lumOff val="30000"/>
+  </cs:variation>
+  <cs:variation>
+    <a:lumMod val="70000"/>
+  </cs:variation>
+  <cs:variation>
+    <a:lumMod val="50000"/>
+    <a:lumOff val="50000"/>
+  </cs:variation>
+</cs:colorStyle>
+</file>
+
+<file path=ppt/charts/colors2.xml><?xml version="1.0" encoding="utf-8"?>
 <cs:colorStyle xmlns:cs="http://schemas.microsoft.com/office/drawing/2012/chartStyle" xmlns:a="http://schemas.openxmlformats.org/drawingml/2006/main" meth="cycle" id="10">
   <a:schemeClr val="accent1"/>
   <a:schemeClr val="accent2"/>
@@ -1264,6 +1775,522 @@
 </cs:chartStyle>
 </file>
 
+<file path=ppt/charts/style2.xml><?xml version="1.0" encoding="utf-8"?>
+<cs:chartStyle xmlns:cs="http://schemas.microsoft.com/office/drawing/2012/chartStyle" xmlns:a="http://schemas.openxmlformats.org/drawingml/2006/main" id="227">
+  <cs:axisTitle>
+    <cs:lnRef idx="0"/>
+    <cs:fillRef idx="0"/>
+    <cs:effectRef idx="0"/>
+    <cs:fontRef idx="minor">
+      <a:schemeClr val="tx1">
+        <a:lumMod val="65000"/>
+        <a:lumOff val="35000"/>
+      </a:schemeClr>
+    </cs:fontRef>
+    <cs:defRPr sz="1000" kern="1200"/>
+  </cs:axisTitle>
+  <cs:categoryAxis>
+    <cs:lnRef idx="0"/>
+    <cs:fillRef idx="0"/>
+    <cs:effectRef idx="0"/>
+    <cs:fontRef idx="minor">
+      <a:schemeClr val="tx1">
+        <a:lumMod val="65000"/>
+        <a:lumOff val="35000"/>
+      </a:schemeClr>
+    </cs:fontRef>
+    <cs:spPr>
+      <a:ln w="9525" cap="flat" cmpd="sng" algn="ctr">
+        <a:solidFill>
+          <a:schemeClr val="tx1">
+            <a:lumMod val="15000"/>
+            <a:lumOff val="85000"/>
+          </a:schemeClr>
+        </a:solidFill>
+        <a:round/>
+      </a:ln>
+    </cs:spPr>
+    <cs:defRPr sz="900" kern="1200"/>
+  </cs:categoryAxis>
+  <cs:chartArea mods="allowNoFillOverride allowNoLineOverride">
+    <cs:lnRef idx="0"/>
+    <cs:fillRef idx="0"/>
+    <cs:effectRef idx="0"/>
+    <cs:fontRef idx="minor">
+      <a:schemeClr val="tx1"/>
+    </cs:fontRef>
+    <cs:spPr>
+      <a:solidFill>
+        <a:schemeClr val="bg1"/>
+      </a:solidFill>
+      <a:ln w="9525" cap="flat" cmpd="sng" algn="ctr">
+        <a:solidFill>
+          <a:schemeClr val="tx1">
+            <a:lumMod val="15000"/>
+            <a:lumOff val="85000"/>
+          </a:schemeClr>
+        </a:solidFill>
+        <a:round/>
+      </a:ln>
+    </cs:spPr>
+    <cs:defRPr sz="1000" kern="1200"/>
+  </cs:chartArea>
+  <cs:dataLabel>
+    <cs:lnRef idx="0"/>
+    <cs:fillRef idx="0"/>
+    <cs:effectRef idx="0"/>
+    <cs:fontRef idx="minor">
+      <a:schemeClr val="tx1">
+        <a:lumMod val="75000"/>
+        <a:lumOff val="25000"/>
+      </a:schemeClr>
+    </cs:fontRef>
+    <cs:defRPr sz="900" kern="1200"/>
+  </cs:dataLabel>
+  <cs:dataLabelCallout>
+    <cs:lnRef idx="0"/>
+    <cs:fillRef idx="0"/>
+    <cs:effectRef idx="0"/>
+    <cs:fontRef idx="minor">
+      <a:schemeClr val="dk1">
+        <a:lumMod val="65000"/>
+        <a:lumOff val="35000"/>
+      </a:schemeClr>
+    </cs:fontRef>
+    <cs:spPr>
+      <a:solidFill>
+        <a:schemeClr val="lt1"/>
+      </a:solidFill>
+      <a:ln>
+        <a:solidFill>
+          <a:schemeClr val="dk1">
+            <a:lumMod val="25000"/>
+            <a:lumOff val="75000"/>
+          </a:schemeClr>
+        </a:solidFill>
+      </a:ln>
+    </cs:spPr>
+    <cs:defRPr sz="900" kern="1200"/>
+    <cs:bodyPr rot="0" spcFirstLastPara="1" vertOverflow="clip" horzOverflow="clip" vert="horz" wrap="square" lIns="36576" tIns="18288" rIns="36576" bIns="18288" anchor="ctr" anchorCtr="1">
+      <a:spAutoFit/>
+    </cs:bodyPr>
+  </cs:dataLabelCallout>
+  <cs:dataPoint>
+    <cs:lnRef idx="0"/>
+    <cs:fillRef idx="1">
+      <cs:styleClr val="auto"/>
+    </cs:fillRef>
+    <cs:effectRef idx="0"/>
+    <cs:fontRef idx="minor">
+      <a:schemeClr val="tx1"/>
+    </cs:fontRef>
+    <cs:spPr>
+      <a:solidFill>
+        <a:schemeClr val="phClr"/>
+      </a:solidFill>
+    </cs:spPr>
+  </cs:dataPoint>
+  <cs:dataPoint3D>
+    <cs:lnRef idx="0"/>
+    <cs:fillRef idx="1">
+      <cs:styleClr val="auto"/>
+    </cs:fillRef>
+    <cs:effectRef idx="0"/>
+    <cs:fontRef idx="minor">
+      <a:schemeClr val="tx1"/>
+    </cs:fontRef>
+    <cs:spPr>
+      <a:solidFill>
+        <a:schemeClr val="phClr"/>
+      </a:solidFill>
+    </cs:spPr>
+  </cs:dataPoint3D>
+  <cs:dataPointLine>
+    <cs:lnRef idx="0">
+      <cs:styleClr val="auto"/>
+    </cs:lnRef>
+    <cs:fillRef idx="1"/>
+    <cs:effectRef idx="0"/>
+    <cs:fontRef idx="minor">
+      <a:schemeClr val="tx1"/>
+    </cs:fontRef>
+    <cs:spPr>
+      <a:ln w="28575" cap="rnd">
+        <a:solidFill>
+          <a:schemeClr val="phClr"/>
+        </a:solidFill>
+        <a:round/>
+      </a:ln>
+    </cs:spPr>
+  </cs:dataPointLine>
+  <cs:dataPointMarker>
+    <cs:lnRef idx="0">
+      <cs:styleClr val="auto"/>
+    </cs:lnRef>
+    <cs:fillRef idx="1">
+      <cs:styleClr val="auto"/>
+    </cs:fillRef>
+    <cs:effectRef idx="0"/>
+    <cs:fontRef idx="minor">
+      <a:schemeClr val="tx1"/>
+    </cs:fontRef>
+    <cs:spPr>
+      <a:solidFill>
+        <a:schemeClr val="phClr"/>
+      </a:solidFill>
+      <a:ln w="9525">
+        <a:solidFill>
+          <a:schemeClr val="phClr"/>
+        </a:solidFill>
+      </a:ln>
+    </cs:spPr>
+  </cs:dataPointMarker>
+  <cs:dataPointMarkerLayout symbol="circle" size="5"/>
+  <cs:dataPointWireframe>
+    <cs:lnRef idx="0">
+      <cs:styleClr val="auto"/>
+    </cs:lnRef>
+    <cs:fillRef idx="1"/>
+    <cs:effectRef idx="0"/>
+    <cs:fontRef idx="minor">
+      <a:schemeClr val="tx1"/>
+    </cs:fontRef>
+    <cs:spPr>
+      <a:ln w="9525" cap="rnd">
+        <a:solidFill>
+          <a:schemeClr val="phClr"/>
+        </a:solidFill>
+        <a:round/>
+      </a:ln>
+    </cs:spPr>
+  </cs:dataPointWireframe>
+  <cs:dataTable>
+    <cs:lnRef idx="0"/>
+    <cs:fillRef idx="0"/>
+    <cs:effectRef idx="0"/>
+    <cs:fontRef idx="minor">
+      <a:schemeClr val="tx1">
+        <a:lumMod val="65000"/>
+        <a:lumOff val="35000"/>
+      </a:schemeClr>
+    </cs:fontRef>
+    <cs:spPr>
+      <a:noFill/>
+      <a:ln w="9525" cap="flat" cmpd="sng" algn="ctr">
+        <a:solidFill>
+          <a:schemeClr val="tx1">
+            <a:lumMod val="15000"/>
+            <a:lumOff val="85000"/>
+          </a:schemeClr>
+        </a:solidFill>
+        <a:round/>
+      </a:ln>
+    </cs:spPr>
+    <cs:defRPr sz="900" kern="1200"/>
+  </cs:dataTable>
+  <cs:downBar>
+    <cs:lnRef idx="0"/>
+    <cs:fillRef idx="0"/>
+    <cs:effectRef idx="0"/>
+    <cs:fontRef idx="minor">
+      <a:schemeClr val="dk1"/>
+    </cs:fontRef>
+    <cs:spPr>
+      <a:solidFill>
+        <a:schemeClr val="dk1">
+          <a:lumMod val="65000"/>
+          <a:lumOff val="35000"/>
+        </a:schemeClr>
+      </a:solidFill>
+      <a:ln w="9525">
+        <a:solidFill>
+          <a:schemeClr val="tx1">
+            <a:lumMod val="65000"/>
+            <a:lumOff val="35000"/>
+          </a:schemeClr>
+        </a:solidFill>
+      </a:ln>
+    </cs:spPr>
+  </cs:downBar>
+  <cs:dropLine>
+    <cs:lnRef idx="0"/>
+    <cs:fillRef idx="0"/>
+    <cs:effectRef idx="0"/>
+    <cs:fontRef idx="minor">
+      <a:schemeClr val="tx1"/>
+    </cs:fontRef>
+    <cs:spPr>
+      <a:ln w="9525" cap="flat" cmpd="sng" algn="ctr">
+        <a:solidFill>
+          <a:schemeClr val="tx1">
+            <a:lumMod val="35000"/>
+            <a:lumOff val="65000"/>
+          </a:schemeClr>
+        </a:solidFill>
+        <a:round/>
+      </a:ln>
+    </cs:spPr>
+  </cs:dropLine>
+  <cs:errorBar>
+    <cs:lnRef idx="0"/>
+    <cs:fillRef idx="0"/>
+    <cs:effectRef idx="0"/>
+    <cs:fontRef idx="minor">
+      <a:schemeClr val="tx1"/>
+    </cs:fontRef>
+    <cs:spPr>
+      <a:ln w="9525" cap="flat" cmpd="sng" algn="ctr">
+        <a:solidFill>
+          <a:schemeClr val="tx1">
+            <a:lumMod val="65000"/>
+            <a:lumOff val="35000"/>
+          </a:schemeClr>
+        </a:solidFill>
+        <a:round/>
+      </a:ln>
+    </cs:spPr>
+  </cs:errorBar>
+  <cs:floor>
+    <cs:lnRef idx="0"/>
+    <cs:fillRef idx="0"/>
+    <cs:effectRef idx="0"/>
+    <cs:fontRef idx="minor">
+      <a:schemeClr val="tx1"/>
+    </cs:fontRef>
+    <cs:spPr>
+      <a:noFill/>
+      <a:ln>
+        <a:noFill/>
+      </a:ln>
+    </cs:spPr>
+  </cs:floor>
+  <cs:gridlineMajor>
+    <cs:lnRef idx="0"/>
+    <cs:fillRef idx="0"/>
+    <cs:effectRef idx="0"/>
+    <cs:fontRef idx="minor">
+      <a:schemeClr val="tx1"/>
+    </cs:fontRef>
+    <cs:spPr>
+      <a:ln w="9525" cap="flat" cmpd="sng" algn="ctr">
+        <a:solidFill>
+          <a:schemeClr val="tx1">
+            <a:lumMod val="15000"/>
+            <a:lumOff val="85000"/>
+          </a:schemeClr>
+        </a:solidFill>
+        <a:round/>
+      </a:ln>
+    </cs:spPr>
+  </cs:gridlineMajor>
+  <cs:gridlineMinor>
+    <cs:lnRef idx="0"/>
+    <cs:fillRef idx="0"/>
+    <cs:effectRef idx="0"/>
+    <cs:fontRef idx="minor">
+      <a:schemeClr val="tx1"/>
+    </cs:fontRef>
+    <cs:spPr>
+      <a:ln w="9525" cap="flat" cmpd="sng" algn="ctr">
+        <a:solidFill>
+          <a:schemeClr val="tx1">
+            <a:lumMod val="5000"/>
+            <a:lumOff val="95000"/>
+          </a:schemeClr>
+        </a:solidFill>
+        <a:round/>
+      </a:ln>
+    </cs:spPr>
+  </cs:gridlineMinor>
+  <cs:hiLoLine>
+    <cs:lnRef idx="0"/>
+    <cs:fillRef idx="0"/>
+    <cs:effectRef idx="0"/>
+    <cs:fontRef idx="minor">
+      <a:schemeClr val="tx1"/>
+    </cs:fontRef>
+    <cs:spPr>
+      <a:ln w="9525" cap="flat" cmpd="sng" algn="ctr">
+        <a:solidFill>
+          <a:schemeClr val="tx1">
+            <a:lumMod val="75000"/>
+            <a:lumOff val="25000"/>
+          </a:schemeClr>
+        </a:solidFill>
+        <a:round/>
+      </a:ln>
+    </cs:spPr>
+  </cs:hiLoLine>
+  <cs:leaderLine>
+    <cs:lnRef idx="0"/>
+    <cs:fillRef idx="0"/>
+    <cs:effectRef idx="0"/>
+    <cs:fontRef idx="minor">
+      <a:schemeClr val="tx1"/>
+    </cs:fontRef>
+    <cs:spPr>
+      <a:ln w="9525" cap="flat" cmpd="sng" algn="ctr">
+        <a:solidFill>
+          <a:schemeClr val="tx1">
+            <a:lumMod val="35000"/>
+            <a:lumOff val="65000"/>
+          </a:schemeClr>
+        </a:solidFill>
+        <a:round/>
+      </a:ln>
+    </cs:spPr>
+  </cs:leaderLine>
+  <cs:legend>
+    <cs:lnRef idx="0"/>
+    <cs:fillRef idx="0"/>
+    <cs:effectRef idx="0"/>
+    <cs:fontRef idx="minor">
+      <a:schemeClr val="tx1">
+        <a:lumMod val="65000"/>
+        <a:lumOff val="35000"/>
+      </a:schemeClr>
+    </cs:fontRef>
+    <cs:defRPr sz="900" kern="1200"/>
+  </cs:legend>
+  <cs:plotArea mods="allowNoFillOverride allowNoLineOverride">
+    <cs:lnRef idx="0"/>
+    <cs:fillRef idx="0"/>
+    <cs:effectRef idx="0"/>
+    <cs:fontRef idx="minor">
+      <a:schemeClr val="tx1"/>
+    </cs:fontRef>
+  </cs:plotArea>
+  <cs:plotArea3D mods="allowNoFillOverride allowNoLineOverride">
+    <cs:lnRef idx="0"/>
+    <cs:fillRef idx="0"/>
+    <cs:effectRef idx="0"/>
+    <cs:fontRef idx="minor">
+      <a:schemeClr val="tx1"/>
+    </cs:fontRef>
+  </cs:plotArea3D>
+  <cs:seriesAxis>
+    <cs:lnRef idx="0"/>
+    <cs:fillRef idx="0"/>
+    <cs:effectRef idx="0"/>
+    <cs:fontRef idx="minor">
+      <a:schemeClr val="tx1">
+        <a:lumMod val="65000"/>
+        <a:lumOff val="35000"/>
+      </a:schemeClr>
+    </cs:fontRef>
+    <cs:defRPr sz="900" kern="1200"/>
+  </cs:seriesAxis>
+  <cs:seriesLine>
+    <cs:lnRef idx="0"/>
+    <cs:fillRef idx="0"/>
+    <cs:effectRef idx="0"/>
+    <cs:fontRef idx="minor">
+      <a:schemeClr val="tx1"/>
+    </cs:fontRef>
+    <cs:spPr>
+      <a:ln w="9525" cap="flat" cmpd="sng" algn="ctr">
+        <a:solidFill>
+          <a:schemeClr val="tx1">
+            <a:lumMod val="35000"/>
+            <a:lumOff val="65000"/>
+          </a:schemeClr>
+        </a:solidFill>
+        <a:round/>
+      </a:ln>
+    </cs:spPr>
+  </cs:seriesLine>
+  <cs:title>
+    <cs:lnRef idx="0"/>
+    <cs:fillRef idx="0"/>
+    <cs:effectRef idx="0"/>
+    <cs:fontRef idx="minor">
+      <a:schemeClr val="tx1">
+        <a:lumMod val="65000"/>
+        <a:lumOff val="35000"/>
+      </a:schemeClr>
+    </cs:fontRef>
+    <cs:defRPr sz="1400" b="0" kern="1200" spc="0" baseline="0"/>
+  </cs:title>
+  <cs:trendline>
+    <cs:lnRef idx="0">
+      <cs:styleClr val="auto"/>
+    </cs:lnRef>
+    <cs:fillRef idx="0"/>
+    <cs:effectRef idx="0"/>
+    <cs:fontRef idx="minor">
+      <a:schemeClr val="tx1"/>
+    </cs:fontRef>
+    <cs:spPr>
+      <a:ln w="19050" cap="rnd">
+        <a:solidFill>
+          <a:schemeClr val="phClr"/>
+        </a:solidFill>
+        <a:prstDash val="sysDot"/>
+      </a:ln>
+    </cs:spPr>
+  </cs:trendline>
+  <cs:trendlineLabel>
+    <cs:lnRef idx="0"/>
+    <cs:fillRef idx="0"/>
+    <cs:effectRef idx="0"/>
+    <cs:fontRef idx="minor">
+      <a:schemeClr val="tx1">
+        <a:lumMod val="65000"/>
+        <a:lumOff val="35000"/>
+      </a:schemeClr>
+    </cs:fontRef>
+    <cs:defRPr sz="900" kern="1200"/>
+  </cs:trendlineLabel>
+  <cs:upBar>
+    <cs:lnRef idx="0"/>
+    <cs:fillRef idx="0"/>
+    <cs:effectRef idx="0"/>
+    <cs:fontRef idx="minor">
+      <a:schemeClr val="dk1"/>
+    </cs:fontRef>
+    <cs:spPr>
+      <a:solidFill>
+        <a:schemeClr val="lt1"/>
+      </a:solidFill>
+      <a:ln w="9525">
+        <a:solidFill>
+          <a:schemeClr val="tx1">
+            <a:lumMod val="15000"/>
+            <a:lumOff val="85000"/>
+          </a:schemeClr>
+        </a:solidFill>
+      </a:ln>
+    </cs:spPr>
+  </cs:upBar>
+  <cs:valueAxis>
+    <cs:lnRef idx="0"/>
+    <cs:fillRef idx="0"/>
+    <cs:effectRef idx="0"/>
+    <cs:fontRef idx="minor">
+      <a:schemeClr val="tx1">
+        <a:lumMod val="65000"/>
+        <a:lumOff val="35000"/>
+      </a:schemeClr>
+    </cs:fontRef>
+    <cs:defRPr sz="900" kern="1200"/>
+  </cs:valueAxis>
+  <cs:wall>
+    <cs:lnRef idx="0"/>
+    <cs:fillRef idx="0"/>
+    <cs:effectRef idx="0"/>
+    <cs:fontRef idx="minor">
+      <a:schemeClr val="tx1"/>
+    </cs:fontRef>
+    <cs:spPr>
+      <a:noFill/>
+      <a:ln>
+        <a:noFill/>
+      </a:ln>
+    </cs:spPr>
+  </cs:wall>
+</cs:chartStyle>
+</file>
+
 <file path=ppt/notesMasters/notesMaster1.xml><?xml version="1.0" encoding="utf-8"?>
 <p:notesMaster xmlns:a="http://schemas.openxmlformats.org/drawingml/2006/main" xmlns:r="http://schemas.openxmlformats.org/officeDocument/2006/relationships" xmlns:p="http://schemas.openxmlformats.org/presentationml/2006/main">
   <p:cSld>
@@ -1346,7 +2373,7 @@
           <a:p>
             <a:fld id="{7EBC91BB-2304-4112-983C-57B7C549CA04}" type="datetimeFigureOut">
               <a:rPr lang="en-US" smtClean="0"/>
-              <a:t>5/5/2014</a:t>
+              <a:t>5/7/2014</a:t>
             </a:fld>
             <a:endParaRPr lang="en-US"/>
           </a:p>
@@ -1857,7 +2884,7 @@
           <a:p>
             <a:fld id="{72B46F10-42EE-47D3-94D7-10369BADE84F}" type="datetimeFigureOut">
               <a:rPr lang="en-US" smtClean="0"/>
-              <a:t>5/5/2014</a:t>
+              <a:t>5/7/2014</a:t>
             </a:fld>
             <a:endParaRPr lang="en-US"/>
           </a:p>
@@ -2027,7 +3054,7 @@
           <a:p>
             <a:fld id="{72B46F10-42EE-47D3-94D7-10369BADE84F}" type="datetimeFigureOut">
               <a:rPr lang="en-US" smtClean="0"/>
-              <a:t>5/5/2014</a:t>
+              <a:t>5/7/2014</a:t>
             </a:fld>
             <a:endParaRPr lang="en-US"/>
           </a:p>
@@ -2207,7 +3234,7 @@
           <a:p>
             <a:fld id="{72B46F10-42EE-47D3-94D7-10369BADE84F}" type="datetimeFigureOut">
               <a:rPr lang="en-US" smtClean="0"/>
-              <a:t>5/5/2014</a:t>
+              <a:t>5/7/2014</a:t>
             </a:fld>
             <a:endParaRPr lang="en-US"/>
           </a:p>
@@ -2377,7 +3404,7 @@
           <a:p>
             <a:fld id="{72B46F10-42EE-47D3-94D7-10369BADE84F}" type="datetimeFigureOut">
               <a:rPr lang="en-US" smtClean="0"/>
-              <a:t>5/5/2014</a:t>
+              <a:t>5/7/2014</a:t>
             </a:fld>
             <a:endParaRPr lang="en-US"/>
           </a:p>
@@ -2621,7 +3648,7 @@
           <a:p>
             <a:fld id="{72B46F10-42EE-47D3-94D7-10369BADE84F}" type="datetimeFigureOut">
               <a:rPr lang="en-US" smtClean="0"/>
-              <a:t>5/5/2014</a:t>
+              <a:t>5/7/2014</a:t>
             </a:fld>
             <a:endParaRPr lang="en-US"/>
           </a:p>
@@ -2853,7 +3880,7 @@
           <a:p>
             <a:fld id="{72B46F10-42EE-47D3-94D7-10369BADE84F}" type="datetimeFigureOut">
               <a:rPr lang="en-US" smtClean="0"/>
-              <a:t>5/5/2014</a:t>
+              <a:t>5/7/2014</a:t>
             </a:fld>
             <a:endParaRPr lang="en-US"/>
           </a:p>
@@ -3220,7 +4247,7 @@
           <a:p>
             <a:fld id="{72B46F10-42EE-47D3-94D7-10369BADE84F}" type="datetimeFigureOut">
               <a:rPr lang="en-US" smtClean="0"/>
-              <a:t>5/5/2014</a:t>
+              <a:t>5/7/2014</a:t>
             </a:fld>
             <a:endParaRPr lang="en-US"/>
           </a:p>
@@ -3338,7 +4365,7 @@
           <a:p>
             <a:fld id="{72B46F10-42EE-47D3-94D7-10369BADE84F}" type="datetimeFigureOut">
               <a:rPr lang="en-US" smtClean="0"/>
-              <a:t>5/5/2014</a:t>
+              <a:t>5/7/2014</a:t>
             </a:fld>
             <a:endParaRPr lang="en-US"/>
           </a:p>
@@ -3433,7 +4460,7 @@
           <a:p>
             <a:fld id="{72B46F10-42EE-47D3-94D7-10369BADE84F}" type="datetimeFigureOut">
               <a:rPr lang="en-US" smtClean="0"/>
-              <a:t>5/5/2014</a:t>
+              <a:t>5/7/2014</a:t>
             </a:fld>
             <a:endParaRPr lang="en-US"/>
           </a:p>
@@ -3710,7 +4737,7 @@
           <a:p>
             <a:fld id="{72B46F10-42EE-47D3-94D7-10369BADE84F}" type="datetimeFigureOut">
               <a:rPr lang="en-US" smtClean="0"/>
-              <a:t>5/5/2014</a:t>
+              <a:t>5/7/2014</a:t>
             </a:fld>
             <a:endParaRPr lang="en-US"/>
           </a:p>
@@ -3967,7 +4994,7 @@
           <a:p>
             <a:fld id="{72B46F10-42EE-47D3-94D7-10369BADE84F}" type="datetimeFigureOut">
               <a:rPr lang="en-US" smtClean="0"/>
-              <a:t>5/5/2014</a:t>
+              <a:t>5/7/2014</a:t>
             </a:fld>
             <a:endParaRPr lang="en-US"/>
           </a:p>
@@ -4180,7 +5207,7 @@
           <a:p>
             <a:fld id="{72B46F10-42EE-47D3-94D7-10369BADE84F}" type="datetimeFigureOut">
               <a:rPr lang="en-US" smtClean="0"/>
-              <a:t>5/5/2014</a:t>
+              <a:t>5/7/2014</a:t>
             </a:fld>
             <a:endParaRPr lang="en-US"/>
           </a:p>
@@ -5768,9 +6795,6 @@
               </a:rPr>
               <a:t>Example for laptop - smartphone classify using SVM</a:t>
             </a:r>
-            <a:endParaRPr lang="en-US" sz="2500" dirty="0">
-              <a:latin typeface="Cambria" panose="02040503050406030204" pitchFamily="18" charset="0"/>
-            </a:endParaRPr>
           </a:p>
         </p:txBody>
       </p:sp>
@@ -5941,6 +6965,678 @@
     <p:extLst>
       <p:ext uri="{BB962C8B-B14F-4D97-AF65-F5344CB8AC3E}">
         <p14:creationId xmlns:p14="http://schemas.microsoft.com/office/powerpoint/2010/main" val="3214596468"/>
+      </p:ext>
+    </p:extLst>
+  </p:cSld>
+  <p:clrMapOvr>
+    <a:masterClrMapping/>
+  </p:clrMapOvr>
+  <p:timing>
+    <p:tnLst>
+      <p:par>
+        <p:cTn id="1" dur="indefinite" restart="never" nodeType="tmRoot"/>
+      </p:par>
+    </p:tnLst>
+  </p:timing>
+</p:sld>
+</file>
+
+<file path=ppt/slides/slide9.xml><?xml version="1.0" encoding="utf-8"?>
+<p:sld xmlns:a="http://schemas.openxmlformats.org/drawingml/2006/main" xmlns:r="http://schemas.openxmlformats.org/officeDocument/2006/relationships" xmlns:p="http://schemas.openxmlformats.org/presentationml/2006/main">
+  <p:cSld>
+    <p:spTree>
+      <p:nvGrpSpPr>
+        <p:cNvPr id="1" name=""/>
+        <p:cNvGrpSpPr/>
+        <p:nvPr/>
+      </p:nvGrpSpPr>
+      <p:grpSpPr>
+        <a:xfrm>
+          <a:off x="0" y="0"/>
+          <a:ext cx="0" cy="0"/>
+          <a:chOff x="0" y="0"/>
+          <a:chExt cx="0" cy="0"/>
+        </a:xfrm>
+      </p:grpSpPr>
+      <p:sp>
+        <p:nvSpPr>
+          <p:cNvPr id="6" name="Rectangle 2"/>
+          <p:cNvSpPr>
+            <a:spLocks noChangeArrowheads="1"/>
+          </p:cNvSpPr>
+          <p:nvPr/>
+        </p:nvSpPr>
+        <p:spPr bwMode="auto">
+          <a:xfrm>
+            <a:off x="0" y="163830"/>
+            <a:ext cx="7829134" cy="2108245"/>
+          </a:xfrm>
+          <a:prstGeom prst="rect">
+            <a:avLst/>
+          </a:prstGeom>
+          <a:noFill/>
+          <a:ln>
+            <a:noFill/>
+          </a:ln>
+          <a:effectLst/>
+          <a:extLst>
+            <a:ext uri="{909E8E84-426E-40DD-AFC4-6F175D3DCCD1}">
+              <a14:hiddenFill xmlns:a14="http://schemas.microsoft.com/office/drawing/2010/main">
+                <a:solidFill>
+                  <a:schemeClr val="accent1"/>
+                </a:solidFill>
+              </a14:hiddenFill>
+            </a:ext>
+            <a:ext uri="{91240B29-F687-4F45-9708-019B960494DF}">
+              <a14:hiddenLine xmlns:a14="http://schemas.microsoft.com/office/drawing/2010/main" w="9525">
+                <a:solidFill>
+                  <a:schemeClr val="tx1"/>
+                </a:solidFill>
+                <a:miter lim="800000"/>
+                <a:headEnd/>
+                <a:tailEnd/>
+              </a14:hiddenLine>
+            </a:ext>
+            <a:ext uri="{AF507438-7753-43E0-B8FC-AC1667EBCBE1}">
+              <a14:hiddenEffects xmlns:a14="http://schemas.microsoft.com/office/drawing/2010/main">
+                <a:effectLst>
+                  <a:outerShdw dist="35921" dir="2700000" algn="ctr" rotWithShape="0">
+                    <a:schemeClr val="bg2"/>
+                  </a:outerShdw>
+                </a:effectLst>
+              </a14:hiddenEffects>
+            </a:ext>
+          </a:extLst>
+        </p:spPr>
+        <p:txBody>
+          <a:bodyPr vert="horz" wrap="none" lIns="1199772" tIns="76176" rIns="91440" bIns="0" numCol="1" anchor="ctr" anchorCtr="0" compatLnSpc="1">
+            <a:prstTxWarp prst="textNoShape">
+              <a:avLst/>
+            </a:prstTxWarp>
+            <a:spAutoFit/>
+          </a:bodyPr>
+          <a:lstStyle>
+            <a:lvl1pPr eaLnBrk="0" fontAlgn="base" hangingPunct="0">
+              <a:spcBef>
+                <a:spcPct val="0"/>
+              </a:spcBef>
+              <a:spcAft>
+                <a:spcPct val="0"/>
+              </a:spcAft>
+              <a:defRPr>
+                <a:solidFill>
+                  <a:schemeClr val="tx1"/>
+                </a:solidFill>
+                <a:latin typeface="Arial" panose="020B0604020202020204" pitchFamily="34" charset="0"/>
+              </a:defRPr>
+            </a:lvl1pPr>
+            <a:lvl2pPr eaLnBrk="0" fontAlgn="base" hangingPunct="0">
+              <a:spcBef>
+                <a:spcPct val="0"/>
+              </a:spcBef>
+              <a:spcAft>
+                <a:spcPct val="0"/>
+              </a:spcAft>
+              <a:defRPr>
+                <a:solidFill>
+                  <a:schemeClr val="tx1"/>
+                </a:solidFill>
+                <a:latin typeface="Arial" panose="020B0604020202020204" pitchFamily="34" charset="0"/>
+              </a:defRPr>
+            </a:lvl2pPr>
+            <a:lvl3pPr eaLnBrk="0" fontAlgn="base" hangingPunct="0">
+              <a:spcBef>
+                <a:spcPct val="0"/>
+              </a:spcBef>
+              <a:spcAft>
+                <a:spcPct val="0"/>
+              </a:spcAft>
+              <a:defRPr>
+                <a:solidFill>
+                  <a:schemeClr val="tx1"/>
+                </a:solidFill>
+                <a:latin typeface="Arial" panose="020B0604020202020204" pitchFamily="34" charset="0"/>
+              </a:defRPr>
+            </a:lvl3pPr>
+            <a:lvl4pPr eaLnBrk="0" fontAlgn="base" hangingPunct="0">
+              <a:spcBef>
+                <a:spcPct val="0"/>
+              </a:spcBef>
+              <a:spcAft>
+                <a:spcPct val="0"/>
+              </a:spcAft>
+              <a:defRPr>
+                <a:solidFill>
+                  <a:schemeClr val="tx1"/>
+                </a:solidFill>
+                <a:latin typeface="Arial" panose="020B0604020202020204" pitchFamily="34" charset="0"/>
+              </a:defRPr>
+            </a:lvl4pPr>
+            <a:lvl5pPr eaLnBrk="0" fontAlgn="base" hangingPunct="0">
+              <a:spcBef>
+                <a:spcPct val="0"/>
+              </a:spcBef>
+              <a:spcAft>
+                <a:spcPct val="0"/>
+              </a:spcAft>
+              <a:defRPr>
+                <a:solidFill>
+                  <a:schemeClr val="tx1"/>
+                </a:solidFill>
+                <a:latin typeface="Arial" panose="020B0604020202020204" pitchFamily="34" charset="0"/>
+              </a:defRPr>
+            </a:lvl5pPr>
+            <a:lvl6pPr eaLnBrk="0" fontAlgn="base" hangingPunct="0">
+              <a:spcBef>
+                <a:spcPct val="0"/>
+              </a:spcBef>
+              <a:spcAft>
+                <a:spcPct val="0"/>
+              </a:spcAft>
+              <a:defRPr>
+                <a:solidFill>
+                  <a:schemeClr val="tx1"/>
+                </a:solidFill>
+                <a:latin typeface="Arial" panose="020B0604020202020204" pitchFamily="34" charset="0"/>
+              </a:defRPr>
+            </a:lvl6pPr>
+            <a:lvl7pPr eaLnBrk="0" fontAlgn="base" hangingPunct="0">
+              <a:spcBef>
+                <a:spcPct val="0"/>
+              </a:spcBef>
+              <a:spcAft>
+                <a:spcPct val="0"/>
+              </a:spcAft>
+              <a:defRPr>
+                <a:solidFill>
+                  <a:schemeClr val="tx1"/>
+                </a:solidFill>
+                <a:latin typeface="Arial" panose="020B0604020202020204" pitchFamily="34" charset="0"/>
+              </a:defRPr>
+            </a:lvl7pPr>
+            <a:lvl8pPr eaLnBrk="0" fontAlgn="base" hangingPunct="0">
+              <a:spcBef>
+                <a:spcPct val="0"/>
+              </a:spcBef>
+              <a:spcAft>
+                <a:spcPct val="0"/>
+              </a:spcAft>
+              <a:defRPr>
+                <a:solidFill>
+                  <a:schemeClr val="tx1"/>
+                </a:solidFill>
+                <a:latin typeface="Arial" panose="020B0604020202020204" pitchFamily="34" charset="0"/>
+              </a:defRPr>
+            </a:lvl8pPr>
+            <a:lvl9pPr eaLnBrk="0" fontAlgn="base" hangingPunct="0">
+              <a:spcBef>
+                <a:spcPct val="0"/>
+              </a:spcBef>
+              <a:spcAft>
+                <a:spcPct val="0"/>
+              </a:spcAft>
+              <a:defRPr>
+                <a:solidFill>
+                  <a:schemeClr val="tx1"/>
+                </a:solidFill>
+                <a:latin typeface="Arial" panose="020B0604020202020204" pitchFamily="34" charset="0"/>
+              </a:defRPr>
+            </a:lvl9pPr>
+          </a:lstStyle>
+          <a:p>
+            <a:pPr marL="0" marR="0" lvl="0" indent="0" algn="l" defTabSz="914400" rtl="0" eaLnBrk="0" fontAlgn="base" latinLnBrk="0" hangingPunct="0">
+              <a:lnSpc>
+                <a:spcPct val="100000"/>
+              </a:lnSpc>
+              <a:spcBef>
+                <a:spcPct val="0"/>
+              </a:spcBef>
+              <a:spcAft>
+                <a:spcPct val="0"/>
+              </a:spcAft>
+              <a:buClrTx/>
+              <a:buSzTx/>
+              <a:buFontTx/>
+              <a:buNone/>
+              <a:tabLst/>
+            </a:pPr>
+            <a:r>
+              <a:rPr kumimoji="0" lang="en-US" altLang="zh-CN" sz="2400" b="1" i="0" u="none" strike="noStrike" cap="none" normalizeH="0" baseline="0" dirty="0" smtClean="0">
+                <a:ln>
+                  <a:noFill/>
+                </a:ln>
+                <a:solidFill>
+                  <a:schemeClr val="tx1"/>
+                </a:solidFill>
+                <a:effectLst/>
+                <a:latin typeface="Cambria" panose="02040503050406030204" pitchFamily="18" charset="0"/>
+                <a:cs typeface="Cambria" panose="02040503050406030204" pitchFamily="18" charset="0"/>
+              </a:rPr>
+              <a:t>Performance</a:t>
+            </a:r>
+          </a:p>
+          <a:p>
+            <a:pPr marL="0" marR="0" lvl="0" indent="0" algn="l" defTabSz="914400" rtl="0" eaLnBrk="0" fontAlgn="base" latinLnBrk="0" hangingPunct="0">
+              <a:lnSpc>
+                <a:spcPct val="100000"/>
+              </a:lnSpc>
+              <a:spcBef>
+                <a:spcPct val="0"/>
+              </a:spcBef>
+              <a:spcAft>
+                <a:spcPct val="0"/>
+              </a:spcAft>
+              <a:buClrTx/>
+              <a:buSzTx/>
+              <a:buFontTx/>
+              <a:buNone/>
+              <a:tabLst/>
+            </a:pPr>
+            <a:r>
+              <a:rPr kumimoji="0" lang="en-US" altLang="zh-CN" b="0" i="0" u="none" strike="noStrike" cap="none" normalizeH="0" baseline="0" dirty="0" smtClean="0">
+                <a:ln>
+                  <a:noFill/>
+                </a:ln>
+                <a:solidFill>
+                  <a:schemeClr val="tx1"/>
+                </a:solidFill>
+                <a:effectLst/>
+                <a:latin typeface="Cambria" panose="02040503050406030204" pitchFamily="18" charset="0"/>
+                <a:ea typeface="Calibri" panose="020F0502020204030204" pitchFamily="34" charset="0"/>
+                <a:cs typeface="Times New Roman" panose="02020603050405020304" pitchFamily="18" charset="0"/>
+              </a:rPr>
+              <a:t>With image resolution: 800x460px</a:t>
+            </a:r>
+            <a:endParaRPr kumimoji="0" lang="en-US" altLang="zh-CN" b="0" i="0" u="none" strike="noStrike" cap="none" normalizeH="0" baseline="0" dirty="0" smtClean="0">
+              <a:ln>
+                <a:noFill/>
+              </a:ln>
+              <a:solidFill>
+                <a:schemeClr val="tx1"/>
+              </a:solidFill>
+              <a:effectLst/>
+              <a:latin typeface="Cambria" panose="02040503050406030204" pitchFamily="18" charset="0"/>
+            </a:endParaRPr>
+          </a:p>
+          <a:p>
+            <a:pPr marL="0" marR="0" lvl="0" indent="0" algn="l" defTabSz="914400" rtl="0" eaLnBrk="0" fontAlgn="base" latinLnBrk="0" hangingPunct="0">
+              <a:lnSpc>
+                <a:spcPct val="100000"/>
+              </a:lnSpc>
+              <a:spcBef>
+                <a:spcPct val="0"/>
+              </a:spcBef>
+              <a:spcAft>
+                <a:spcPct val="0"/>
+              </a:spcAft>
+              <a:buClrTx/>
+              <a:buSzTx/>
+              <a:buFontTx/>
+              <a:buNone/>
+              <a:tabLst/>
+            </a:pPr>
+            <a:r>
+              <a:rPr kumimoji="0" lang="en-US" altLang="zh-CN" b="1" i="0" u="none" strike="noStrike" cap="none" normalizeH="0" baseline="0" dirty="0" smtClean="0">
+                <a:ln>
+                  <a:noFill/>
+                </a:ln>
+                <a:solidFill>
+                  <a:schemeClr val="tx1"/>
+                </a:solidFill>
+                <a:effectLst/>
+                <a:latin typeface="Cambria" panose="02040503050406030204" pitchFamily="18" charset="0"/>
+                <a:ea typeface="Calibri" panose="020F0502020204030204" pitchFamily="34" charset="0"/>
+                <a:cs typeface="Times New Roman" panose="02020603050405020304" pitchFamily="18" charset="0"/>
+              </a:rPr>
+              <a:t>Web module</a:t>
+            </a:r>
+            <a:r>
+              <a:rPr kumimoji="0" lang="en-US" altLang="zh-CN" b="0" i="0" u="none" strike="noStrike" cap="none" normalizeH="0" baseline="0" dirty="0" smtClean="0">
+                <a:ln>
+                  <a:noFill/>
+                </a:ln>
+                <a:solidFill>
+                  <a:schemeClr val="tx1"/>
+                </a:solidFill>
+                <a:effectLst/>
+                <a:latin typeface="Cambria" panose="02040503050406030204" pitchFamily="18" charset="0"/>
+                <a:ea typeface="Calibri" panose="020F0502020204030204" pitchFamily="34" charset="0"/>
+                <a:cs typeface="Times New Roman" panose="02020603050405020304" pitchFamily="18" charset="0"/>
+              </a:rPr>
+              <a:t>: Ubuntu 13.10 with core i3 M350 2.27GHz, 3GB Ram</a:t>
+            </a:r>
+            <a:endParaRPr kumimoji="0" lang="en-US" altLang="zh-CN" b="0" i="0" u="none" strike="noStrike" cap="none" normalizeH="0" baseline="0" dirty="0" smtClean="0">
+              <a:ln>
+                <a:noFill/>
+              </a:ln>
+              <a:solidFill>
+                <a:schemeClr val="tx1"/>
+              </a:solidFill>
+              <a:effectLst/>
+              <a:latin typeface="Cambria" panose="02040503050406030204" pitchFamily="18" charset="0"/>
+            </a:endParaRPr>
+          </a:p>
+          <a:p>
+            <a:pPr marL="0" marR="0" lvl="0" indent="0" algn="l" defTabSz="914400" rtl="0" eaLnBrk="0" fontAlgn="base" latinLnBrk="0" hangingPunct="0">
+              <a:lnSpc>
+                <a:spcPct val="100000"/>
+              </a:lnSpc>
+              <a:spcBef>
+                <a:spcPct val="0"/>
+              </a:spcBef>
+              <a:spcAft>
+                <a:spcPct val="0"/>
+              </a:spcAft>
+              <a:buClrTx/>
+              <a:buSzTx/>
+              <a:buFontTx/>
+              <a:buChar char="•"/>
+              <a:tabLst/>
+            </a:pPr>
+            <a:r>
+              <a:rPr kumimoji="0" lang="en-US" altLang="zh-CN" b="0" i="0" u="none" strike="noStrike" cap="none" normalizeH="0" baseline="0" dirty="0" smtClean="0">
+                <a:ln>
+                  <a:noFill/>
+                </a:ln>
+                <a:solidFill>
+                  <a:schemeClr val="tx1"/>
+                </a:solidFill>
+                <a:effectLst/>
+                <a:latin typeface="Cambria" panose="02040503050406030204" pitchFamily="18" charset="0"/>
+                <a:ea typeface="Times New Roman" panose="02020603050405020304" pitchFamily="18" charset="0"/>
+                <a:cs typeface="Times New Roman" panose="02020603050405020304" pitchFamily="18" charset="0"/>
+              </a:rPr>
+              <a:t>Best time to run traffic sign recognition: 0.013s</a:t>
+            </a:r>
+            <a:endParaRPr kumimoji="0" lang="en-US" altLang="zh-CN" b="0" i="0" u="none" strike="noStrike" cap="none" normalizeH="0" baseline="0" dirty="0" smtClean="0">
+              <a:ln>
+                <a:noFill/>
+              </a:ln>
+              <a:solidFill>
+                <a:schemeClr val="tx1"/>
+              </a:solidFill>
+              <a:effectLst/>
+              <a:latin typeface="Cambria" panose="02040503050406030204" pitchFamily="18" charset="0"/>
+            </a:endParaRPr>
+          </a:p>
+          <a:p>
+            <a:pPr marL="0" marR="0" lvl="0" indent="0" algn="l" defTabSz="914400" rtl="0" eaLnBrk="0" fontAlgn="base" latinLnBrk="0" hangingPunct="0">
+              <a:lnSpc>
+                <a:spcPct val="100000"/>
+              </a:lnSpc>
+              <a:spcBef>
+                <a:spcPct val="0"/>
+              </a:spcBef>
+              <a:spcAft>
+                <a:spcPct val="0"/>
+              </a:spcAft>
+              <a:buClrTx/>
+              <a:buSzTx/>
+              <a:buFontTx/>
+              <a:buChar char="•"/>
+              <a:tabLst/>
+            </a:pPr>
+            <a:r>
+              <a:rPr kumimoji="0" lang="en-US" altLang="zh-CN" b="0" i="0" u="none" strike="noStrike" cap="none" normalizeH="0" baseline="0" dirty="0" smtClean="0">
+                <a:ln>
+                  <a:noFill/>
+                </a:ln>
+                <a:solidFill>
+                  <a:schemeClr val="tx1"/>
+                </a:solidFill>
+                <a:effectLst/>
+                <a:latin typeface="Cambria" panose="02040503050406030204" pitchFamily="18" charset="0"/>
+                <a:ea typeface="Times New Roman" panose="02020603050405020304" pitchFamily="18" charset="0"/>
+                <a:cs typeface="Times New Roman" panose="02020603050405020304" pitchFamily="18" charset="0"/>
+              </a:rPr>
+              <a:t>Worst time to run traffic sign recognition: 0.016s</a:t>
+            </a:r>
+            <a:endParaRPr kumimoji="0" lang="en-US" altLang="zh-CN" b="0" i="0" u="none" strike="noStrike" cap="none" normalizeH="0" baseline="0" dirty="0" smtClean="0">
+              <a:ln>
+                <a:noFill/>
+              </a:ln>
+              <a:solidFill>
+                <a:schemeClr val="tx1"/>
+              </a:solidFill>
+              <a:effectLst/>
+              <a:latin typeface="Cambria" panose="02040503050406030204" pitchFamily="18" charset="0"/>
+            </a:endParaRPr>
+          </a:p>
+          <a:p>
+            <a:pPr marL="0" marR="0" lvl="0" indent="0" algn="l" defTabSz="914400" rtl="0" eaLnBrk="0" fontAlgn="base" latinLnBrk="0" hangingPunct="0">
+              <a:lnSpc>
+                <a:spcPct val="100000"/>
+              </a:lnSpc>
+              <a:spcBef>
+                <a:spcPct val="0"/>
+              </a:spcBef>
+              <a:spcAft>
+                <a:spcPct val="0"/>
+              </a:spcAft>
+              <a:buClrTx/>
+              <a:buSzTx/>
+              <a:buFontTx/>
+              <a:buNone/>
+              <a:tabLst/>
+            </a:pPr>
+            <a:r>
+              <a:rPr kumimoji="0" lang="en-US" altLang="zh-CN" b="0" i="0" u="none" strike="noStrike" cap="none" normalizeH="0" baseline="0" dirty="0" smtClean="0">
+                <a:ln>
+                  <a:noFill/>
+                </a:ln>
+                <a:solidFill>
+                  <a:schemeClr val="tx1"/>
+                </a:solidFill>
+                <a:effectLst/>
+                <a:latin typeface="Cambria" panose="02040503050406030204" pitchFamily="18" charset="0"/>
+                <a:ea typeface="Times New Roman" panose="02020603050405020304" pitchFamily="18" charset="0"/>
+                <a:cs typeface="Times New Roman" panose="02020603050405020304" pitchFamily="18" charset="0"/>
+              </a:rPr>
+              <a:t>Recognition accuracy (good condition):</a:t>
+            </a:r>
+            <a:endParaRPr kumimoji="0" lang="en-US" altLang="zh-CN" b="0" i="0" u="none" strike="noStrike" cap="none" normalizeH="0" baseline="0" dirty="0" smtClean="0">
+              <a:ln>
+                <a:noFill/>
+              </a:ln>
+              <a:solidFill>
+                <a:schemeClr val="tx1"/>
+              </a:solidFill>
+              <a:effectLst/>
+              <a:latin typeface="Cambria" panose="02040503050406030204" pitchFamily="18" charset="0"/>
+            </a:endParaRPr>
+          </a:p>
+          <a:p>
+            <a:pPr marL="0" marR="0" lvl="0" indent="0" algn="l" defTabSz="914400" rtl="0" eaLnBrk="0" fontAlgn="base" latinLnBrk="0" hangingPunct="0">
+              <a:lnSpc>
+                <a:spcPct val="100000"/>
+              </a:lnSpc>
+              <a:spcBef>
+                <a:spcPct val="0"/>
+              </a:spcBef>
+              <a:spcAft>
+                <a:spcPct val="0"/>
+              </a:spcAft>
+              <a:buClrTx/>
+              <a:buSzTx/>
+              <a:buFontTx/>
+              <a:buNone/>
+              <a:tabLst/>
+            </a:pPr>
+            <a:endParaRPr kumimoji="0" lang="en-US" altLang="zh-CN" b="0" i="0" u="none" strike="noStrike" cap="none" normalizeH="0" baseline="0" dirty="0" smtClean="0">
+              <a:ln>
+                <a:noFill/>
+              </a:ln>
+              <a:solidFill>
+                <a:schemeClr val="tx1"/>
+              </a:solidFill>
+              <a:effectLst/>
+              <a:latin typeface="Cambria" panose="02040503050406030204" pitchFamily="18" charset="0"/>
+            </a:endParaRPr>
+          </a:p>
+        </p:txBody>
+      </p:sp>
+      <p:graphicFrame>
+        <p:nvGraphicFramePr>
+          <p:cNvPr id="7" name="Chart 6"/>
+          <p:cNvGraphicFramePr/>
+          <p:nvPr>
+            <p:extLst>
+              <p:ext uri="{D42A27DB-BD31-4B8C-83A1-F6EECF244321}">
+                <p14:modId xmlns:p14="http://schemas.microsoft.com/office/powerpoint/2010/main" val="2588428455"/>
+              </p:ext>
+            </p:extLst>
+          </p:nvPr>
+        </p:nvGraphicFramePr>
+        <p:xfrm>
+          <a:off x="1319134" y="2068642"/>
+          <a:ext cx="6700603" cy="4289117"/>
+        </p:xfrm>
+        <a:graphic>
+          <a:graphicData uri="http://schemas.openxmlformats.org/drawingml/2006/chart">
+            <c:chart xmlns:c="http://schemas.openxmlformats.org/drawingml/2006/chart" xmlns:r="http://schemas.openxmlformats.org/officeDocument/2006/relationships" r:id="rId2"/>
+          </a:graphicData>
+        </a:graphic>
+      </p:graphicFrame>
+      <p:sp>
+        <p:nvSpPr>
+          <p:cNvPr id="8" name="Rectangle 3"/>
+          <p:cNvSpPr>
+            <a:spLocks noChangeArrowheads="1"/>
+          </p:cNvSpPr>
+          <p:nvPr/>
+        </p:nvSpPr>
+        <p:spPr bwMode="auto">
+          <a:xfrm>
+            <a:off x="2488367" y="6357760"/>
+            <a:ext cx="4570931" cy="369332"/>
+          </a:xfrm>
+          <a:prstGeom prst="rect">
+            <a:avLst/>
+          </a:prstGeom>
+          <a:noFill/>
+          <a:ln>
+            <a:noFill/>
+          </a:ln>
+          <a:effectLst/>
+          <a:extLst>
+            <a:ext uri="{909E8E84-426E-40DD-AFC4-6F175D3DCCD1}">
+              <a14:hiddenFill xmlns:a14="http://schemas.microsoft.com/office/drawing/2010/main">
+                <a:solidFill>
+                  <a:schemeClr val="accent1"/>
+                </a:solidFill>
+              </a14:hiddenFill>
+            </a:ext>
+            <a:ext uri="{91240B29-F687-4F45-9708-019B960494DF}">
+              <a14:hiddenLine xmlns:a14="http://schemas.microsoft.com/office/drawing/2010/main" w="9525">
+                <a:solidFill>
+                  <a:schemeClr val="tx1"/>
+                </a:solidFill>
+                <a:miter lim="800000"/>
+                <a:headEnd/>
+                <a:tailEnd/>
+              </a14:hiddenLine>
+            </a:ext>
+            <a:ext uri="{AF507438-7753-43E0-B8FC-AC1667EBCBE1}">
+              <a14:hiddenEffects xmlns:a14="http://schemas.microsoft.com/office/drawing/2010/main">
+                <a:effectLst>
+                  <a:outerShdw dist="35921" dir="2700000" algn="ctr" rotWithShape="0">
+                    <a:schemeClr val="bg2"/>
+                  </a:outerShdw>
+                </a:effectLst>
+              </a14:hiddenEffects>
+            </a:ext>
+          </a:extLst>
+        </p:spPr>
+        <p:txBody>
+          <a:bodyPr vert="horz" wrap="none" lIns="91440" tIns="45720" rIns="91440" bIns="45720" numCol="1" anchor="ctr" anchorCtr="0" compatLnSpc="1">
+            <a:prstTxWarp prst="textNoShape">
+              <a:avLst/>
+            </a:prstTxWarp>
+            <a:spAutoFit/>
+          </a:bodyPr>
+          <a:lstStyle/>
+          <a:p>
+            <a:pPr marL="0" marR="0" lvl="0" indent="0" algn="l" defTabSz="914400" rtl="0" eaLnBrk="0" fontAlgn="base" latinLnBrk="0" hangingPunct="0">
+              <a:lnSpc>
+                <a:spcPct val="100000"/>
+              </a:lnSpc>
+              <a:spcBef>
+                <a:spcPct val="0"/>
+              </a:spcBef>
+              <a:spcAft>
+                <a:spcPct val="0"/>
+              </a:spcAft>
+              <a:buClrTx/>
+              <a:buSzTx/>
+              <a:buFontTx/>
+              <a:buNone/>
+              <a:tabLst/>
+            </a:pPr>
+            <a:r>
+              <a:rPr kumimoji="0" lang="en-US" altLang="en-US" b="0" i="0" u="none" strike="noStrike" cap="none" normalizeH="0" baseline="0" dirty="0" smtClean="0">
+                <a:ln>
+                  <a:noFill/>
+                </a:ln>
+                <a:solidFill>
+                  <a:srgbClr val="000000"/>
+                </a:solidFill>
+                <a:effectLst/>
+                <a:latin typeface="Cambria" panose="02040503050406030204" pitchFamily="18" charset="0"/>
+                <a:ea typeface="Calibri" panose="020F0502020204030204" pitchFamily="34" charset="0"/>
+                <a:cs typeface="Times New Roman" panose="02020603050405020304" pitchFamily="18" charset="0"/>
+              </a:rPr>
+              <a:t>F</a:t>
+            </a:r>
+            <a:r>
+              <a:rPr kumimoji="0" lang="en-US" altLang="en-US" b="0" i="0" u="none" strike="noStrike" cap="none" normalizeH="0" baseline="0" dirty="0" smtClean="0" bmk="">
+                <a:ln>
+                  <a:noFill/>
+                </a:ln>
+                <a:solidFill>
+                  <a:srgbClr val="000000"/>
+                </a:solidFill>
+                <a:effectLst/>
+                <a:latin typeface="Cambria" panose="02040503050406030204" pitchFamily="18" charset="0"/>
+                <a:ea typeface="Calibri" panose="020F0502020204030204" pitchFamily="34" charset="0"/>
+                <a:cs typeface="Times New Roman" panose="02020603050405020304" pitchFamily="18" charset="0"/>
+              </a:rPr>
+              <a:t>igure </a:t>
+            </a:r>
+            <a:r>
+              <a:rPr kumimoji="0" lang="en-US" altLang="en-US" b="0" i="0" u="none" strike="noStrike" cap="none" normalizeH="0" baseline="0" dirty="0" smtClean="0" bmk="_Toc385602487">
+                <a:ln>
+                  <a:noFill/>
+                </a:ln>
+                <a:solidFill>
+                  <a:srgbClr val="000000"/>
+                </a:solidFill>
+                <a:effectLst/>
+                <a:latin typeface="Cambria" panose="02040503050406030204" pitchFamily="18" charset="0"/>
+                <a:ea typeface="Calibri" panose="020F0502020204030204" pitchFamily="34" charset="0"/>
+                <a:cs typeface="Times New Roman" panose="02020603050405020304" pitchFamily="18" charset="0"/>
+              </a:rPr>
+              <a:t>73: Traffic Sign Recognition Accuracy</a:t>
+            </a:r>
+            <a:r>
+              <a:rPr kumimoji="0" lang="en-US" altLang="en-US" b="0" i="0" u="none" strike="noStrike" cap="none" normalizeH="0" baseline="0" dirty="0" smtClean="0">
+                <a:ln>
+                  <a:noFill/>
+                </a:ln>
+                <a:solidFill>
+                  <a:schemeClr val="tx1"/>
+                </a:solidFill>
+                <a:effectLst/>
+                <a:latin typeface="Cambria" panose="02040503050406030204" pitchFamily="18" charset="0"/>
+              </a:rPr>
+              <a:t> </a:t>
+            </a:r>
+          </a:p>
+        </p:txBody>
+      </p:sp>
+    </p:spTree>
+    <p:extLst>
+      <p:ext uri="{BB962C8B-B14F-4D97-AF65-F5344CB8AC3E}">
+        <p14:creationId xmlns:p14="http://schemas.microsoft.com/office/powerpoint/2010/main" val="47572129"/>
       </p:ext>
     </p:extLst>
   </p:cSld>
